--- a/Documentatie/Simulatie Vossen en Konijnen.pptx
+++ b/Documentatie/Simulatie Vossen en Konijnen.pptx
@@ -9,11 +9,10 @@
     <p:sldId id="257" r:id="rId3"/>
     <p:sldId id="258" r:id="rId4"/>
     <p:sldId id="259" r:id="rId5"/>
-    <p:sldId id="264" r:id="rId6"/>
-    <p:sldId id="260" r:id="rId7"/>
-    <p:sldId id="261" r:id="rId8"/>
-    <p:sldId id="263" r:id="rId9"/>
-    <p:sldId id="262" r:id="rId10"/>
+    <p:sldId id="265" r:id="rId6"/>
+    <p:sldId id="261" r:id="rId7"/>
+    <p:sldId id="263" r:id="rId8"/>
+    <p:sldId id="262" r:id="rId9"/>
   </p:sldIdLst>
   <p:sldSz cx="12192000" cy="6858000"/>
   <p:notesSz cx="6858000" cy="9144000"/>
@@ -112,6 +111,11 @@
       </a:defRPr>
     </a:lvl9pPr>
   </p:defaultTextStyle>
+  <p:extLst>
+    <p:ext uri="{EFAFB233-063F-42B5-8137-9DF3F51BA10A}">
+      <p15:sldGuideLst xmlns:p15="http://schemas.microsoft.com/office/powerpoint/2012/main"/>
+    </p:ext>
+  </p:extLst>
 </p:presentation>
 </file>
 
@@ -6198,13 +6202,21 @@
           <a:p>
             <a:r>
               <a:rPr lang="nl-NL" dirty="0" smtClean="0"/>
-              <a:t>- Wie zijn wij?</a:t>
-            </a:r>
-          </a:p>
-          <a:p>
+              <a:t>Wie </a:t>
+            </a:r>
             <a:r>
               <a:rPr lang="nl-NL" dirty="0" smtClean="0"/>
-              <a:t>- Wat was de opdracht?</a:t>
+              <a:t>zijn wij?</a:t>
+            </a:r>
+          </a:p>
+          <a:p>
+            <a:r>
+              <a:rPr lang="nl-NL" dirty="0" smtClean="0"/>
+              <a:t>Wat </a:t>
+            </a:r>
+            <a:r>
+              <a:rPr lang="nl-NL" dirty="0" smtClean="0"/>
+              <a:t>was de opdracht?</a:t>
             </a:r>
           </a:p>
           <a:p>
@@ -6285,38 +6297,55 @@
           <a:p>
             <a:r>
               <a:rPr lang="nl-NL" dirty="0" smtClean="0"/>
-              <a:t>- Voorwoord</a:t>
-            </a:r>
+              <a:t>Voorwoord</a:t>
+            </a:r>
+            <a:endParaRPr lang="nl-NL" dirty="0" smtClean="0"/>
           </a:p>
           <a:p>
             <a:r>
               <a:rPr lang="nl-NL" dirty="0" smtClean="0"/>
-              <a:t>- Probleembeschrijving</a:t>
-            </a:r>
+              <a:t>Probleembeschrijving</a:t>
+            </a:r>
+            <a:endParaRPr lang="nl-NL" dirty="0" smtClean="0"/>
           </a:p>
           <a:p>
             <a:r>
               <a:rPr lang="nl-NL" dirty="0" smtClean="0"/>
-              <a:t>- Analyse van de basisversie</a:t>
-            </a:r>
-          </a:p>
-          <a:p>
+              <a:t>Analyse </a:t>
+            </a:r>
             <a:r>
               <a:rPr lang="nl-NL" dirty="0" smtClean="0"/>
-              <a:t>- Eerste versies van de simulatie</a:t>
-            </a:r>
-          </a:p>
-          <a:p>
+              <a:t>van de </a:t>
+            </a:r>
             <a:r>
               <a:rPr lang="nl-NL" dirty="0" smtClean="0"/>
-              <a:t>- Wat hebben wij verbeterd?</a:t>
-            </a:r>
+              <a:t>basisversie</a:t>
+            </a:r>
+            <a:endParaRPr lang="nl-NL" dirty="0" smtClean="0"/>
           </a:p>
           <a:p>
             <a:r>
               <a:rPr lang="nl-NL" dirty="0" smtClean="0"/>
-              <a:t>- Eindresultaat</a:t>
-            </a:r>
+              <a:t>Verbeteringen ten opzichte van de basisversie</a:t>
+            </a:r>
+          </a:p>
+          <a:p>
+            <a:r>
+              <a:rPr lang="en-US" dirty="0" err="1" smtClean="0"/>
+              <a:t>Versie</a:t>
+            </a:r>
+            <a:r>
+              <a:rPr lang="en-US" dirty="0" smtClean="0"/>
+              <a:t> 2.0</a:t>
+            </a:r>
+            <a:endParaRPr lang="nl-NL" dirty="0" smtClean="0"/>
+          </a:p>
+          <a:p>
+            <a:r>
+              <a:rPr lang="nl-NL" dirty="0" smtClean="0"/>
+              <a:t>Eindresultaat</a:t>
+            </a:r>
+            <a:endParaRPr lang="nl-NL" dirty="0" smtClean="0"/>
           </a:p>
           <a:p>
             <a:endParaRPr lang="nl-NL" dirty="0"/>
@@ -6393,16 +6422,130 @@
           <a:p>
             <a:r>
               <a:rPr lang="nl-NL" dirty="0" smtClean="0"/>
-              <a:t>“ Het </a:t>
-            </a:r>
-            <a:r>
-              <a:rPr lang="nl-NL" dirty="0"/>
-              <a:t>roofdier en de prooi hebben een nauw verband met elkaar. Ze hebben elkaar nodig om de populatie gebalanceerd te houden. Deze balans is erg belangrijk voor het behouden van een goede cyclus waarin beide soorten kunnen leven en het gebied waarin ze leven niet beschadigd </a:t>
-            </a:r>
-            <a:r>
-              <a:rPr lang="nl-NL" dirty="0" smtClean="0"/>
-              <a:t>word”</a:t>
-            </a:r>
+              <a:t>Balans tussen de bewoners van het gebied</a:t>
+            </a:r>
+          </a:p>
+          <a:p>
+            <a:r>
+              <a:rPr lang="en-US" dirty="0" smtClean="0"/>
+              <a:t>De </a:t>
+            </a:r>
+            <a:r>
+              <a:rPr lang="en-US" dirty="0" err="1" smtClean="0"/>
+              <a:t>balans</a:t>
+            </a:r>
+            <a:r>
+              <a:rPr lang="en-US" dirty="0" smtClean="0"/>
+              <a:t> is erg </a:t>
+            </a:r>
+            <a:r>
+              <a:rPr lang="en-US" dirty="0" err="1" smtClean="0"/>
+              <a:t>belangrijk</a:t>
+            </a:r>
+            <a:r>
+              <a:rPr lang="en-US" dirty="0" smtClean="0"/>
+              <a:t> </a:t>
+            </a:r>
+            <a:r>
+              <a:rPr lang="en-US" dirty="0" err="1" smtClean="0"/>
+              <a:t>voor</a:t>
+            </a:r>
+            <a:r>
+              <a:rPr lang="en-US" dirty="0" smtClean="0"/>
+              <a:t> het </a:t>
+            </a:r>
+            <a:r>
+              <a:rPr lang="en-US" dirty="0" err="1" smtClean="0"/>
+              <a:t>behoud</a:t>
+            </a:r>
+            <a:r>
+              <a:rPr lang="en-US" dirty="0" smtClean="0"/>
+              <a:t> van het </a:t>
+            </a:r>
+            <a:r>
+              <a:rPr lang="en-US" dirty="0" err="1" smtClean="0"/>
+              <a:t>gebied</a:t>
+            </a:r>
+            <a:endParaRPr lang="en-US" dirty="0" smtClean="0"/>
+          </a:p>
+          <a:p>
+            <a:r>
+              <a:rPr lang="en-US" dirty="0" err="1" smtClean="0"/>
+              <a:t>Geen</a:t>
+            </a:r>
+            <a:r>
+              <a:rPr lang="en-US" dirty="0" smtClean="0"/>
+              <a:t> </a:t>
+            </a:r>
+            <a:r>
+              <a:rPr lang="en-US" dirty="0" err="1" smtClean="0"/>
+              <a:t>soort</a:t>
+            </a:r>
+            <a:r>
+              <a:rPr lang="en-US" dirty="0" smtClean="0"/>
+              <a:t> mag </a:t>
+            </a:r>
+            <a:r>
+              <a:rPr lang="en-US" dirty="0" err="1" smtClean="0"/>
+              <a:t>overheersen</a:t>
+            </a:r>
+            <a:endParaRPr lang="en-US" dirty="0" smtClean="0"/>
+          </a:p>
+          <a:p>
+            <a:r>
+              <a:rPr lang="en-US" dirty="0" err="1" smtClean="0"/>
+              <a:t>Opdrachtgever</a:t>
+            </a:r>
+            <a:r>
+              <a:rPr lang="en-US" dirty="0" smtClean="0"/>
+              <a:t> </a:t>
+            </a:r>
+            <a:r>
+              <a:rPr lang="en-US" dirty="0" err="1" smtClean="0"/>
+              <a:t>heeft</a:t>
+            </a:r>
+            <a:r>
+              <a:rPr lang="en-US" dirty="0" smtClean="0"/>
+              <a:t> </a:t>
+            </a:r>
+            <a:r>
+              <a:rPr lang="en-US" dirty="0" err="1" smtClean="0"/>
+              <a:t>behoefte</a:t>
+            </a:r>
+            <a:r>
+              <a:rPr lang="en-US" dirty="0" smtClean="0"/>
+              <a:t> </a:t>
+            </a:r>
+            <a:r>
+              <a:rPr lang="en-US" dirty="0" err="1" smtClean="0"/>
+              <a:t>aan</a:t>
+            </a:r>
+            <a:r>
+              <a:rPr lang="en-US" dirty="0" smtClean="0"/>
+              <a:t> </a:t>
+            </a:r>
+            <a:r>
+              <a:rPr lang="en-US" dirty="0" err="1" smtClean="0"/>
+              <a:t>realistische</a:t>
+            </a:r>
+            <a:r>
+              <a:rPr lang="en-US" dirty="0" smtClean="0"/>
+              <a:t> </a:t>
+            </a:r>
+            <a:r>
+              <a:rPr lang="en-US" dirty="0" err="1" smtClean="0"/>
+              <a:t>simulaties</a:t>
+            </a:r>
+            <a:endParaRPr lang="en-US" dirty="0" smtClean="0"/>
+          </a:p>
+          <a:p>
+            <a:endParaRPr lang="en-US" dirty="0" smtClean="0"/>
+          </a:p>
+          <a:p>
+            <a:pPr marL="0" indent="0">
+              <a:buNone/>
+            </a:pPr>
+            <a:endParaRPr lang="nl-NL" dirty="0" smtClean="0"/>
           </a:p>
           <a:p>
             <a:endParaRPr lang="nl-NL" dirty="0"/>
@@ -6461,8 +6604,16 @@
           <a:lstStyle/>
           <a:p>
             <a:r>
-              <a:rPr lang="nl-NL" dirty="0" smtClean="0"/>
-              <a:t>Analyse van de basisversie</a:t>
+              <a:rPr lang="en-US" dirty="0" err="1" smtClean="0"/>
+              <a:t>Analyse</a:t>
+            </a:r>
+            <a:r>
+              <a:rPr lang="en-US" dirty="0" smtClean="0"/>
+              <a:t> van de </a:t>
+            </a:r>
+            <a:r>
+              <a:rPr lang="en-US" dirty="0" err="1" smtClean="0"/>
+              <a:t>basisversie</a:t>
             </a:r>
             <a:endParaRPr lang="nl-NL" dirty="0"/>
           </a:p>
@@ -6475,58 +6626,201 @@
             <a:spLocks noGrp="1"/>
           </p:cNvSpPr>
           <p:nvPr>
-            <p:ph idx="1"/>
+            <p:ph sz="half" idx="1"/>
           </p:nvPr>
         </p:nvSpPr>
         <p:spPr/>
         <p:txBody>
-          <a:bodyPr>
-            <a:normAutofit/>
-          </a:bodyPr>
-          <a:lstStyle/>
-          <a:p>
-            <a:endParaRPr lang="nl-NL" sz="1200" dirty="0" smtClean="0"/>
-          </a:p>
-          <a:p>
-            <a:endParaRPr lang="nl-NL" sz="1200" dirty="0"/>
-          </a:p>
-          <a:p>
-            <a:r>
-              <a:rPr lang="nl-NL" sz="1200" dirty="0" smtClean="0"/>
-              <a:t>De </a:t>
-            </a:r>
-            <a:r>
-              <a:rPr lang="nl-NL" sz="1200" dirty="0"/>
-              <a:t>opdrachtgever heeft behoefte aan een programma dat goed simuleert welke situaties er kunnen voorkomen met vossen en konijnen. Omdat het programma elke keer een willekeurig resultaat geeft kan de opdrachtgever via het programma vaststellen wat de meest voorkomende eindresultaten zijn. Het programma moet in staat zijn korte en langere periodes te simuleren, zodat de opdrachtgever kan zien wat de ontwikkelingen op korte en lange termijn zijn. </a:t>
-            </a:r>
-            <a:endParaRPr lang="nl-NL" sz="1200" dirty="0" smtClean="0"/>
-          </a:p>
-          <a:p>
-            <a:endParaRPr lang="nl-NL" sz="1200" dirty="0"/>
-          </a:p>
-          <a:p>
-            <a:endParaRPr lang="nl-NL" sz="1200" dirty="0" smtClean="0"/>
-          </a:p>
-          <a:p>
-            <a:endParaRPr lang="nl-NL" sz="1200" dirty="0"/>
-          </a:p>
-          <a:p>
-            <a:r>
-              <a:rPr lang="nl-NL" sz="1200" dirty="0" smtClean="0"/>
-              <a:t>Als </a:t>
-            </a:r>
-            <a:r>
-              <a:rPr lang="nl-NL" sz="1200" dirty="0"/>
-              <a:t>het programma gestart wordt heeft de gebruiker de mogelijkheid een hoogte en breedte van het raster aan te geven. Als er geen waarden worden ingevoerd worden de default waarden van 120 bij 80 ingesteld. Daarnaast beschikt het programma over een ‘Stap 1’ en een ‘Stap 100’ functie waar elk dier respectievelijk 1 of 100 stappen zet. Ook is er een ‘Do Steps’ functie, hiermee kan de gebruiker zelf het aantal stappen invoeren en die simuleren. </a:t>
-            </a:r>
-            <a:endParaRPr lang="nl-NL" sz="1200" dirty="0"/>
-          </a:p>
-        </p:txBody>
-      </p:sp>
+          <a:bodyPr/>
+          <a:lstStyle/>
+          <a:p>
+            <a:r>
+              <a:rPr lang="en-US" sz="2000" dirty="0" smtClean="0"/>
+              <a:t>Start, stop </a:t>
+            </a:r>
+            <a:r>
+              <a:rPr lang="en-US" sz="2000" dirty="0" err="1" smtClean="0"/>
+              <a:t>en</a:t>
+            </a:r>
+            <a:r>
+              <a:rPr lang="en-US" sz="2000" dirty="0" smtClean="0"/>
+              <a:t> reset </a:t>
+            </a:r>
+            <a:r>
+              <a:rPr lang="en-US" sz="2000" dirty="0" err="1" smtClean="0"/>
+              <a:t>knoppen</a:t>
+            </a:r>
+            <a:endParaRPr lang="en-US" sz="2000" dirty="0" smtClean="0"/>
+          </a:p>
+          <a:p>
+            <a:r>
+              <a:rPr lang="en-US" sz="2000" dirty="0" err="1" smtClean="0"/>
+              <a:t>Instellen</a:t>
+            </a:r>
+            <a:r>
+              <a:rPr lang="en-US" sz="2000" dirty="0" smtClean="0"/>
+              <a:t> </a:t>
+            </a:r>
+            <a:r>
+              <a:rPr lang="en-US" sz="2000" dirty="0"/>
+              <a:t>van de </a:t>
+            </a:r>
+            <a:r>
+              <a:rPr lang="en-US" sz="2000" dirty="0" err="1"/>
+              <a:t>breedte</a:t>
+            </a:r>
+            <a:r>
+              <a:rPr lang="en-US" sz="2000" dirty="0"/>
+              <a:t> </a:t>
+            </a:r>
+            <a:r>
+              <a:rPr lang="en-US" sz="2000" dirty="0" err="1"/>
+              <a:t>en</a:t>
+            </a:r>
+            <a:r>
+              <a:rPr lang="en-US" sz="2000" dirty="0"/>
+              <a:t> </a:t>
+            </a:r>
+            <a:r>
+              <a:rPr lang="en-US" sz="2000" dirty="0" err="1"/>
+              <a:t>hoogte</a:t>
+            </a:r>
+            <a:r>
+              <a:rPr lang="en-US" sz="2000" dirty="0"/>
+              <a:t> van het raster</a:t>
+            </a:r>
+          </a:p>
+          <a:p>
+            <a:r>
+              <a:rPr lang="en-US" sz="2000" dirty="0"/>
+              <a:t>Step </a:t>
+            </a:r>
+            <a:r>
+              <a:rPr lang="en-US" sz="2000" dirty="0" err="1"/>
+              <a:t>functies</a:t>
+            </a:r>
+            <a:endParaRPr lang="en-US" sz="2000" dirty="0"/>
+          </a:p>
+          <a:p>
+            <a:r>
+              <a:rPr lang="en-US" sz="2000" dirty="0" err="1"/>
+              <a:t>Blijft</a:t>
+            </a:r>
+            <a:r>
+              <a:rPr lang="en-US" sz="2000" dirty="0"/>
+              <a:t> </a:t>
+            </a:r>
+            <a:r>
+              <a:rPr lang="en-US" sz="2000" dirty="0" err="1"/>
+              <a:t>goed</a:t>
+            </a:r>
+            <a:r>
+              <a:rPr lang="en-US" sz="2000" dirty="0"/>
+              <a:t> in </a:t>
+            </a:r>
+            <a:r>
+              <a:rPr lang="en-US" sz="2000" dirty="0" err="1"/>
+              <a:t>balans</a:t>
+            </a:r>
+            <a:r>
+              <a:rPr lang="en-US" sz="2000" dirty="0"/>
+              <a:t> </a:t>
+            </a:r>
+            <a:r>
+              <a:rPr lang="en-US" sz="2000" dirty="0" err="1"/>
+              <a:t>bij</a:t>
+            </a:r>
+            <a:r>
+              <a:rPr lang="en-US" sz="2000" dirty="0"/>
+              <a:t> de </a:t>
+            </a:r>
+            <a:r>
+              <a:rPr lang="en-US" sz="2000" dirty="0" err="1"/>
+              <a:t>standaard</a:t>
+            </a:r>
+            <a:r>
+              <a:rPr lang="en-US" sz="2000" dirty="0"/>
+              <a:t> 120 </a:t>
+            </a:r>
+            <a:r>
+              <a:rPr lang="en-US" sz="2000" dirty="0" err="1"/>
+              <a:t>bij</a:t>
+            </a:r>
+            <a:r>
+              <a:rPr lang="en-US" sz="2000" dirty="0"/>
+              <a:t> 80 </a:t>
+            </a:r>
+            <a:r>
+              <a:rPr lang="en-US" sz="2000" dirty="0" err="1" smtClean="0"/>
+              <a:t>hokjes</a:t>
+            </a:r>
+            <a:endParaRPr lang="en-US" sz="2000" dirty="0" smtClean="0"/>
+          </a:p>
+          <a:p>
+            <a:r>
+              <a:rPr lang="en-US" sz="2000" dirty="0" smtClean="0"/>
+              <a:t>Drop down menu’s nog </a:t>
+            </a:r>
+            <a:r>
+              <a:rPr lang="en-US" sz="2000" dirty="0" err="1" smtClean="0"/>
+              <a:t>niet</a:t>
+            </a:r>
+            <a:r>
+              <a:rPr lang="en-US" sz="2000" dirty="0" smtClean="0"/>
+              <a:t> </a:t>
+            </a:r>
+            <a:r>
+              <a:rPr lang="en-US" sz="2000" dirty="0" err="1" smtClean="0"/>
+              <a:t>functioneel</a:t>
+            </a:r>
+            <a:endParaRPr lang="en-US" sz="2000" dirty="0"/>
+          </a:p>
+          <a:p>
+            <a:endParaRPr lang="nl-NL" dirty="0"/>
+          </a:p>
+        </p:txBody>
+      </p:sp>
+      <p:pic>
+        <p:nvPicPr>
+          <p:cNvPr id="5" name="Content Placeholder 3"/>
+          <p:cNvPicPr>
+            <a:picLocks noGrp="1"/>
+          </p:cNvPicPr>
+          <p:nvPr>
+            <p:ph sz="half" idx="2"/>
+          </p:nvPr>
+        </p:nvPicPr>
+        <p:blipFill>
+          <a:blip r:embed="rId2">
+            <a:extLst>
+              <a:ext uri="{28A0092B-C50C-407E-A947-70E740481C1C}">
+                <a14:useLocalDpi xmlns:a14="http://schemas.microsoft.com/office/drawing/2010/main" val="0"/>
+              </a:ext>
+            </a:extLst>
+          </a:blip>
+          <a:srcRect/>
+          <a:stretch>
+            <a:fillRect/>
+          </a:stretch>
+        </p:blipFill>
+        <p:spPr bwMode="auto">
+          <a:xfrm>
+            <a:off x="5655046" y="2060574"/>
+            <a:ext cx="5111808" cy="3236355"/>
+          </a:xfrm>
+          <a:prstGeom prst="rect">
+            <a:avLst/>
+          </a:prstGeom>
+          <a:noFill/>
+          <a:ln>
+            <a:noFill/>
+          </a:ln>
+        </p:spPr>
+      </p:pic>
     </p:spTree>
     <p:extLst>
       <p:ext uri="{BB962C8B-B14F-4D97-AF65-F5344CB8AC3E}">
-        <p14:creationId xmlns:p14="http://schemas.microsoft.com/office/powerpoint/2010/main" val="2392691590"/>
+        <p14:creationId xmlns:p14="http://schemas.microsoft.com/office/powerpoint/2010/main" val="1110030100"/>
       </p:ext>
     </p:extLst>
   </p:cSld>
@@ -6570,53 +6864,81 @@
           <a:p>
             <a:r>
               <a:rPr lang="nl-NL" dirty="0" smtClean="0"/>
-              <a:t>Eerste versies van de simulatie</a:t>
+              <a:t>Wat hebben wij verbeterd?</a:t>
             </a:r>
             <a:endParaRPr lang="nl-NL" dirty="0"/>
           </a:p>
         </p:txBody>
       </p:sp>
-      <p:pic>
-        <p:nvPicPr>
-          <p:cNvPr id="4" name="Content Placeholder 3"/>
-          <p:cNvPicPr>
-            <a:picLocks noGrp="1"/>
-          </p:cNvPicPr>
+      <p:sp>
+        <p:nvSpPr>
+          <p:cNvPr id="3" name="Content Placeholder 2"/>
+          <p:cNvSpPr>
+            <a:spLocks noGrp="1"/>
+          </p:cNvSpPr>
           <p:nvPr>
             <p:ph idx="1"/>
           </p:nvPr>
-        </p:nvPicPr>
-        <p:blipFill>
-          <a:blip r:embed="rId2">
-            <a:extLst>
-              <a:ext uri="{28A0092B-C50C-407E-A947-70E740481C1C}">
-                <a14:useLocalDpi xmlns:a14="http://schemas.microsoft.com/office/drawing/2010/main" val="0"/>
-              </a:ext>
-            </a:extLst>
-          </a:blip>
-          <a:srcRect/>
-          <a:stretch>
-            <a:fillRect/>
-          </a:stretch>
-        </p:blipFill>
-        <p:spPr bwMode="auto">
-          <a:xfrm>
-            <a:off x="1896549" y="1853248"/>
-            <a:ext cx="6903846" cy="4195762"/>
-          </a:xfrm>
-          <a:prstGeom prst="rect">
-            <a:avLst/>
-          </a:prstGeom>
-          <a:noFill/>
-          <a:ln>
-            <a:noFill/>
-          </a:ln>
-        </p:spPr>
-      </p:pic>
+        </p:nvSpPr>
+        <p:spPr/>
+        <p:txBody>
+          <a:bodyPr/>
+          <a:lstStyle/>
+          <a:p>
+            <a:r>
+              <a:rPr lang="nl-NL" dirty="0" smtClean="0"/>
+              <a:t>Toevoeging </a:t>
+            </a:r>
+            <a:r>
+              <a:rPr lang="nl-NL" dirty="0" smtClean="0"/>
+              <a:t>van </a:t>
+            </a:r>
+            <a:r>
+              <a:rPr lang="nl-NL" dirty="0" smtClean="0"/>
+              <a:t>gras, jagers en wolven</a:t>
+            </a:r>
+            <a:endParaRPr lang="nl-NL" dirty="0" smtClean="0"/>
+          </a:p>
+          <a:p>
+            <a:r>
+              <a:rPr lang="nl-NL" dirty="0" smtClean="0"/>
+              <a:t>Een </a:t>
+            </a:r>
+            <a:r>
+              <a:rPr lang="nl-NL" dirty="0" smtClean="0"/>
+              <a:t>slider voor de animatiesnelheid van de simulatie</a:t>
+            </a:r>
+          </a:p>
+          <a:p>
+            <a:r>
+              <a:rPr lang="nl-NL" dirty="0" smtClean="0"/>
+              <a:t>Een histogram, cirkeldiagram en lijndiagram</a:t>
+            </a:r>
+            <a:endParaRPr lang="nl-NL" dirty="0" smtClean="0"/>
+          </a:p>
+          <a:p>
+            <a:r>
+              <a:rPr lang="nl-NL" dirty="0" err="1" smtClean="0"/>
+              <a:t>Refactoring</a:t>
+            </a:r>
+            <a:r>
+              <a:rPr lang="nl-NL" dirty="0" smtClean="0"/>
+              <a:t> </a:t>
+            </a:r>
+            <a:r>
+              <a:rPr lang="nl-NL" dirty="0" smtClean="0"/>
+              <a:t>van code</a:t>
+            </a:r>
+          </a:p>
+          <a:p>
+            <a:endParaRPr lang="nl-NL" dirty="0"/>
+          </a:p>
+        </p:txBody>
+      </p:sp>
     </p:spTree>
     <p:extLst>
       <p:ext uri="{BB962C8B-B14F-4D97-AF65-F5344CB8AC3E}">
-        <p14:creationId xmlns:p14="http://schemas.microsoft.com/office/powerpoint/2010/main" val="3084068592"/>
+        <p14:creationId xmlns:p14="http://schemas.microsoft.com/office/powerpoint/2010/main" val="3597649231"/>
       </p:ext>
     </p:extLst>
   </p:cSld>
@@ -6660,7 +6982,7 @@
           <a:p>
             <a:r>
               <a:rPr lang="nl-NL" dirty="0" smtClean="0"/>
-              <a:t>Wat hebben wij verbeterd?</a:t>
+              <a:t>Versie 2.0</a:t>
             </a:r>
             <a:endParaRPr lang="nl-NL" dirty="0"/>
           </a:p>
@@ -6668,12 +6990,12 @@
       </p:sp>
       <p:sp>
         <p:nvSpPr>
-          <p:cNvPr id="3" name="Content Placeholder 2"/>
-          <p:cNvSpPr>
-            <a:spLocks noGrp="1"/>
-          </p:cNvSpPr>
-          <p:nvPr>
-            <p:ph idx="1"/>
+          <p:cNvPr id="5" name="Content Placeholder 4"/>
+          <p:cNvSpPr>
+            <a:spLocks noGrp="1"/>
+          </p:cNvSpPr>
+          <p:nvPr>
+            <p:ph sz="half" idx="1"/>
           </p:nvPr>
         </p:nvSpPr>
         <p:spPr/>
@@ -6682,37 +7004,117 @@
           <a:lstStyle/>
           <a:p>
             <a:r>
-              <a:rPr lang="nl-NL" dirty="0" smtClean="0"/>
-              <a:t>- Toevoeging van gras</a:t>
-            </a:r>
-          </a:p>
-          <a:p>
-            <a:r>
-              <a:rPr lang="nl-NL" dirty="0" smtClean="0"/>
-              <a:t>- Een slider voor de animatiesnelheid van de simulatie</a:t>
-            </a:r>
-          </a:p>
-          <a:p>
-            <a:r>
-              <a:rPr lang="nl-NL" dirty="0" smtClean="0"/>
-              <a:t>- Historie, cirkel en lijn diagrammen</a:t>
-            </a:r>
-          </a:p>
-          <a:p>
-            <a:r>
-              <a:rPr lang="nl-NL" dirty="0" smtClean="0"/>
-              <a:t>- Refactoring van code</a:t>
-            </a:r>
-          </a:p>
-          <a:p>
+              <a:rPr lang="en-US" dirty="0" smtClean="0"/>
+              <a:t>Gras </a:t>
+            </a:r>
+            <a:r>
+              <a:rPr lang="en-US" dirty="0" err="1" smtClean="0"/>
+              <a:t>toegevoegd</a:t>
+            </a:r>
+            <a:endParaRPr lang="en-US" dirty="0" smtClean="0"/>
+          </a:p>
+          <a:p>
+            <a:r>
+              <a:rPr lang="en-US" dirty="0" smtClean="0"/>
+              <a:t>Views </a:t>
+            </a:r>
+            <a:r>
+              <a:rPr lang="en-US" dirty="0" err="1" smtClean="0"/>
+              <a:t>toegevoegd</a:t>
+            </a:r>
+            <a:r>
+              <a:rPr lang="en-US" dirty="0" smtClean="0"/>
+              <a:t> in drop down menu</a:t>
+            </a:r>
+          </a:p>
+          <a:p>
+            <a:r>
+              <a:rPr lang="en-US" dirty="0" err="1" smtClean="0"/>
+              <a:t>Kleurenlabels</a:t>
+            </a:r>
+            <a:r>
+              <a:rPr lang="en-US" dirty="0" smtClean="0"/>
+              <a:t> </a:t>
+            </a:r>
+            <a:r>
+              <a:rPr lang="en-US" dirty="0" err="1" smtClean="0"/>
+              <a:t>voor</a:t>
+            </a:r>
+            <a:r>
+              <a:rPr lang="en-US" dirty="0" smtClean="0"/>
+              <a:t> de </a:t>
+            </a:r>
+            <a:r>
+              <a:rPr lang="en-US" dirty="0" err="1" smtClean="0"/>
+              <a:t>soorten</a:t>
+            </a:r>
+            <a:r>
+              <a:rPr lang="en-US" dirty="0" smtClean="0"/>
+              <a:t> </a:t>
+            </a:r>
+            <a:r>
+              <a:rPr lang="en-US" dirty="0" err="1" smtClean="0"/>
+              <a:t>objecten</a:t>
+            </a:r>
+            <a:endParaRPr lang="en-US" dirty="0" smtClean="0"/>
+          </a:p>
+          <a:p>
+            <a:r>
+              <a:rPr lang="en-US" dirty="0" smtClean="0"/>
+              <a:t>Slider </a:t>
+            </a:r>
+            <a:r>
+              <a:rPr lang="en-US" dirty="0" err="1" smtClean="0"/>
+              <a:t>voor</a:t>
+            </a:r>
+            <a:r>
+              <a:rPr lang="en-US" dirty="0" smtClean="0"/>
+              <a:t> </a:t>
+            </a:r>
+            <a:r>
+              <a:rPr lang="en-US" dirty="0" err="1" smtClean="0"/>
+              <a:t>animatiesnelheid</a:t>
+            </a:r>
             <a:endParaRPr lang="nl-NL" dirty="0"/>
           </a:p>
         </p:txBody>
       </p:sp>
+      <p:pic>
+        <p:nvPicPr>
+          <p:cNvPr id="7" name="Content Placeholder 3"/>
+          <p:cNvPicPr>
+            <a:picLocks noGrp="1"/>
+          </p:cNvPicPr>
+          <p:nvPr>
+            <p:ph sz="half" idx="2"/>
+          </p:nvPr>
+        </p:nvPicPr>
+        <p:blipFill>
+          <a:blip r:embed="rId2">
+            <a:extLst>
+              <a:ext uri="{28A0092B-C50C-407E-A947-70E740481C1C}">
+                <a14:useLocalDpi xmlns:a14="http://schemas.microsoft.com/office/drawing/2010/main" val="0"/>
+              </a:ext>
+            </a:extLst>
+          </a:blip>
+          <a:stretch>
+            <a:fillRect/>
+          </a:stretch>
+        </p:blipFill>
+        <p:spPr>
+          <a:xfrm>
+            <a:off x="5441986" y="1853248"/>
+            <a:ext cx="5094208" cy="3261068"/>
+          </a:xfrm>
+          <a:prstGeom prst="rect">
+            <a:avLst/>
+          </a:prstGeom>
+        </p:spPr>
+      </p:pic>
     </p:spTree>
     <p:extLst>
       <p:ext uri="{BB962C8B-B14F-4D97-AF65-F5344CB8AC3E}">
-        <p14:creationId xmlns:p14="http://schemas.microsoft.com/office/powerpoint/2010/main" val="3597649231"/>
+        <p14:creationId xmlns:p14="http://schemas.microsoft.com/office/powerpoint/2010/main" val="1115727103"/>
       </p:ext>
     </p:extLst>
   </p:cSld>
@@ -6756,21 +7158,38 @@
           <a:p>
             <a:r>
               <a:rPr lang="nl-NL" dirty="0" smtClean="0"/>
-              <a:t>Versie 2.0</a:t>
-            </a:r>
+              <a:t>Eindresultaat</a:t>
+            </a:r>
+            <a:endParaRPr lang="nl-NL" dirty="0"/>
+          </a:p>
+        </p:txBody>
+      </p:sp>
+      <p:sp>
+        <p:nvSpPr>
+          <p:cNvPr id="3" name="Content Placeholder 2"/>
+          <p:cNvSpPr>
+            <a:spLocks noGrp="1"/>
+          </p:cNvSpPr>
+          <p:nvPr>
+            <p:ph idx="1"/>
+          </p:nvPr>
+        </p:nvSpPr>
+        <p:spPr/>
+        <p:txBody>
+          <a:bodyPr/>
+          <a:lstStyle/>
+          <a:p>
             <a:endParaRPr lang="nl-NL" dirty="0"/>
           </a:p>
         </p:txBody>
       </p:sp>
       <p:pic>
         <p:nvPicPr>
-          <p:cNvPr id="4" name="Content Placeholder 3"/>
+          <p:cNvPr id="5" name="Picture 4"/>
           <p:cNvPicPr>
-            <a:picLocks noGrp="1"/>
+            <a:picLocks noChangeAspect="1"/>
           </p:cNvPicPr>
-          <p:nvPr>
-            <p:ph idx="1"/>
-          </p:nvPr>
+          <p:nvPr/>
         </p:nvPicPr>
         <p:blipFill>
           <a:blip r:embed="rId2">
@@ -6786,87 +7205,8 @@
         </p:blipFill>
         <p:spPr>
           <a:xfrm>
-            <a:off x="1950047" y="2018831"/>
-            <a:ext cx="6796850" cy="4195762"/>
-          </a:xfrm>
-          <a:prstGeom prst="rect">
-            <a:avLst/>
-          </a:prstGeom>
-        </p:spPr>
-      </p:pic>
-    </p:spTree>
-    <p:extLst>
-      <p:ext uri="{BB962C8B-B14F-4D97-AF65-F5344CB8AC3E}">
-        <p14:creationId xmlns:p14="http://schemas.microsoft.com/office/powerpoint/2010/main" val="1115727103"/>
-      </p:ext>
-    </p:extLst>
-  </p:cSld>
-  <p:clrMapOvr>
-    <a:masterClrMapping/>
-  </p:clrMapOvr>
-</p:sld>
-</file>
-
-<file path=ppt/slides/slide9.xml><?xml version="1.0" encoding="utf-8"?>
-<p:sld xmlns:a="http://schemas.openxmlformats.org/drawingml/2006/main" xmlns:r="http://schemas.openxmlformats.org/officeDocument/2006/relationships" xmlns:p="http://schemas.openxmlformats.org/presentationml/2006/main">
-  <p:cSld>
-    <p:spTree>
-      <p:nvGrpSpPr>
-        <p:cNvPr id="1" name=""/>
-        <p:cNvGrpSpPr/>
-        <p:nvPr/>
-      </p:nvGrpSpPr>
-      <p:grpSpPr>
-        <a:xfrm>
-          <a:off x="0" y="0"/>
-          <a:ext cx="0" cy="0"/>
-          <a:chOff x="0" y="0"/>
-          <a:chExt cx="0" cy="0"/>
-        </a:xfrm>
-      </p:grpSpPr>
-      <p:sp>
-        <p:nvSpPr>
-          <p:cNvPr id="2" name="Title 1"/>
-          <p:cNvSpPr>
-            <a:spLocks noGrp="1"/>
-          </p:cNvSpPr>
-          <p:nvPr>
-            <p:ph type="title"/>
-          </p:nvPr>
-        </p:nvSpPr>
-        <p:spPr/>
-        <p:txBody>
-          <a:bodyPr/>
-          <a:lstStyle/>
-          <a:p>
-            <a:r>
-              <a:rPr lang="nl-NL" dirty="0" smtClean="0"/>
-              <a:t>Eindresultaat</a:t>
-            </a:r>
-            <a:endParaRPr lang="nl-NL" dirty="0"/>
-          </a:p>
-        </p:txBody>
-      </p:sp>
-      <p:pic>
-        <p:nvPicPr>
-          <p:cNvPr id="6" name="Content Placeholder 5"/>
-          <p:cNvPicPr>
-            <a:picLocks noGrp="1" noChangeAspect="1"/>
-          </p:cNvPicPr>
-          <p:nvPr>
-            <p:ph idx="1"/>
-          </p:nvPr>
-        </p:nvPicPr>
-        <p:blipFill>
-          <a:blip r:embed="rId2"/>
-          <a:stretch>
-            <a:fillRect/>
-          </a:stretch>
-        </p:blipFill>
-        <p:spPr>
-          <a:xfrm>
-            <a:off x="1847322" y="2052638"/>
-            <a:ext cx="7459132" cy="4195762"/>
+            <a:off x="2125572" y="2052918"/>
+            <a:ext cx="6902020" cy="4195481"/>
           </a:xfrm>
           <a:prstGeom prst="rect">
             <a:avLst/>

--- a/Documentatie/Simulatie Vossen en Konijnen.pptx
+++ b/Documentatie/Simulatie Vossen en Konijnen.pptx
@@ -305,7 +305,7 @@
           <a:p>
             <a:fld id="{4AAD347D-5ACD-4C99-B74B-A9C85AD731AF}" type="datetimeFigureOut">
               <a:rPr lang="en-US" dirty="0"/>
-              <a:t>2/2/2015</a:t>
+              <a:t>2/3/2015</a:t>
             </a:fld>
             <a:endParaRPr lang="en-US" dirty="0"/>
           </a:p>
@@ -575,7 +575,7 @@
           <a:p>
             <a:fld id="{4509A250-FF31-4206-8172-F9D3106AACB1}" type="datetimeFigureOut">
               <a:rPr lang="en-US" dirty="0"/>
-              <a:t>2/2/2015</a:t>
+              <a:t>2/3/2015</a:t>
             </a:fld>
             <a:endParaRPr lang="en-US" dirty="0"/>
           </a:p>
@@ -764,7 +764,7 @@
           <a:p>
             <a:fld id="{4509A250-FF31-4206-8172-F9D3106AACB1}" type="datetimeFigureOut">
               <a:rPr lang="en-US" dirty="0"/>
-              <a:t>2/2/2015</a:t>
+              <a:t>2/3/2015</a:t>
             </a:fld>
             <a:endParaRPr lang="en-US" dirty="0"/>
           </a:p>
@@ -1032,7 +1032,7 @@
           <a:p>
             <a:fld id="{4509A250-FF31-4206-8172-F9D3106AACB1}" type="datetimeFigureOut">
               <a:rPr lang="en-US" dirty="0"/>
-              <a:t>2/2/2015</a:t>
+              <a:t>2/3/2015</a:t>
             </a:fld>
             <a:endParaRPr lang="en-US" dirty="0"/>
           </a:p>
@@ -1368,7 +1368,7 @@
           <a:p>
             <a:fld id="{4509A250-FF31-4206-8172-F9D3106AACB1}" type="datetimeFigureOut">
               <a:rPr lang="en-US" dirty="0"/>
-              <a:t>2/2/2015</a:t>
+              <a:t>2/3/2015</a:t>
             </a:fld>
             <a:endParaRPr lang="en-US" dirty="0"/>
           </a:p>
@@ -1986,7 +1986,7 @@
           <a:p>
             <a:fld id="{4509A250-FF31-4206-8172-F9D3106AACB1}" type="datetimeFigureOut">
               <a:rPr lang="en-US" dirty="0"/>
-              <a:t>2/2/2015</a:t>
+              <a:t>2/3/2015</a:t>
             </a:fld>
             <a:endParaRPr lang="en-US" dirty="0"/>
           </a:p>
@@ -2841,7 +2841,7 @@
           <a:p>
             <a:fld id="{4509A250-FF31-4206-8172-F9D3106AACB1}" type="datetimeFigureOut">
               <a:rPr lang="en-US" dirty="0"/>
-              <a:t>2/2/2015</a:t>
+              <a:t>2/3/2015</a:t>
             </a:fld>
             <a:endParaRPr lang="en-US" dirty="0"/>
           </a:p>
@@ -3006,7 +3006,7 @@
           <a:p>
             <a:fld id="{4509A250-FF31-4206-8172-F9D3106AACB1}" type="datetimeFigureOut">
               <a:rPr lang="en-US" dirty="0"/>
-              <a:t>2/2/2015</a:t>
+              <a:t>2/3/2015</a:t>
             </a:fld>
             <a:endParaRPr lang="en-US" dirty="0"/>
           </a:p>
@@ -3181,7 +3181,7 @@
           <a:p>
             <a:fld id="{4509A250-FF31-4206-8172-F9D3106AACB1}" type="datetimeFigureOut">
               <a:rPr lang="en-US" dirty="0"/>
-              <a:t>2/2/2015</a:t>
+              <a:t>2/3/2015</a:t>
             </a:fld>
             <a:endParaRPr lang="en-US" dirty="0"/>
           </a:p>
@@ -3346,7 +3346,7 @@
           <a:p>
             <a:fld id="{4509A250-FF31-4206-8172-F9D3106AACB1}" type="datetimeFigureOut">
               <a:rPr lang="en-US" dirty="0"/>
-              <a:t>2/2/2015</a:t>
+              <a:t>2/3/2015</a:t>
             </a:fld>
             <a:endParaRPr lang="en-US" dirty="0"/>
           </a:p>
@@ -3588,7 +3588,7 @@
           <a:p>
             <a:fld id="{9796027F-7875-4030-9381-8BD8C4F21935}" type="datetimeFigureOut">
               <a:rPr lang="en-US" dirty="0"/>
-              <a:t>2/2/2015</a:t>
+              <a:t>2/3/2015</a:t>
             </a:fld>
             <a:endParaRPr lang="en-US" dirty="0"/>
           </a:p>
@@ -3875,7 +3875,7 @@
           <a:p>
             <a:fld id="{9796027F-7875-4030-9381-8BD8C4F21935}" type="datetimeFigureOut">
               <a:rPr lang="en-US" dirty="0"/>
-              <a:t>2/2/2015</a:t>
+              <a:t>2/3/2015</a:t>
             </a:fld>
             <a:endParaRPr lang="en-US" dirty="0"/>
           </a:p>
@@ -4314,7 +4314,7 @@
           <a:p>
             <a:fld id="{9796027F-7875-4030-9381-8BD8C4F21935}" type="datetimeFigureOut">
               <a:rPr lang="en-US" dirty="0"/>
-              <a:t>2/2/2015</a:t>
+              <a:t>2/3/2015</a:t>
             </a:fld>
             <a:endParaRPr lang="en-US" dirty="0"/>
           </a:p>
@@ -4427,7 +4427,7 @@
           <a:p>
             <a:fld id="{4509A250-FF31-4206-8172-F9D3106AACB1}" type="datetimeFigureOut">
               <a:rPr lang="en-US" dirty="0"/>
-              <a:t>2/2/2015</a:t>
+              <a:t>2/3/2015</a:t>
             </a:fld>
             <a:endParaRPr lang="en-US" dirty="0"/>
           </a:p>
@@ -4517,7 +4517,7 @@
           <a:p>
             <a:fld id="{4509A250-FF31-4206-8172-F9D3106AACB1}" type="datetimeFigureOut">
               <a:rPr lang="en-US" dirty="0"/>
-              <a:t>2/2/2015</a:t>
+              <a:t>2/3/2015</a:t>
             </a:fld>
             <a:endParaRPr lang="en-US" dirty="0"/>
           </a:p>
@@ -4791,7 +4791,7 @@
           <a:p>
             <a:fld id="{4509A250-FF31-4206-8172-F9D3106AACB1}" type="datetimeFigureOut">
               <a:rPr lang="en-US" dirty="0"/>
-              <a:t>2/2/2015</a:t>
+              <a:t>2/3/2015</a:t>
             </a:fld>
             <a:endParaRPr lang="en-US" dirty="0"/>
           </a:p>
@@ -5061,7 +5061,7 @@
           <a:p>
             <a:fld id="{4509A250-FF31-4206-8172-F9D3106AACB1}" type="datetimeFigureOut">
               <a:rPr lang="en-US" dirty="0"/>
-              <a:t>2/2/2015</a:t>
+              <a:t>2/3/2015</a:t>
             </a:fld>
             <a:endParaRPr lang="en-US" dirty="0"/>
           </a:p>
@@ -5485,7 +5485,7 @@
           <a:p>
             <a:fld id="{4AAD347D-5ACD-4C99-B74B-A9C85AD731AF}" type="datetimeFigureOut">
               <a:rPr lang="en-US" dirty="0"/>
-              <a:t>2/2/2015</a:t>
+              <a:t>2/3/2015</a:t>
             </a:fld>
             <a:endParaRPr lang="en-US" dirty="0"/>
           </a:p>
@@ -6202,21 +6202,13 @@
           <a:p>
             <a:r>
               <a:rPr lang="nl-NL" dirty="0" smtClean="0"/>
-              <a:t>Wie </a:t>
-            </a:r>
+              <a:t>Wie zijn wij?</a:t>
+            </a:r>
+          </a:p>
+          <a:p>
             <a:r>
               <a:rPr lang="nl-NL" dirty="0" smtClean="0"/>
-              <a:t>zijn wij?</a:t>
-            </a:r>
-          </a:p>
-          <a:p>
-            <a:r>
-              <a:rPr lang="nl-NL" dirty="0" smtClean="0"/>
-              <a:t>Wat </a:t>
-            </a:r>
-            <a:r>
-              <a:rPr lang="nl-NL" dirty="0" smtClean="0"/>
-              <a:t>was de opdracht?</a:t>
+              <a:t>Wat was de opdracht?</a:t>
             </a:r>
           </a:p>
           <a:p>
@@ -6299,29 +6291,18 @@
               <a:rPr lang="nl-NL" dirty="0" smtClean="0"/>
               <a:t>Voorwoord</a:t>
             </a:r>
-            <a:endParaRPr lang="nl-NL" dirty="0" smtClean="0"/>
           </a:p>
           <a:p>
             <a:r>
               <a:rPr lang="nl-NL" dirty="0" smtClean="0"/>
               <a:t>Probleembeschrijving</a:t>
             </a:r>
-            <a:endParaRPr lang="nl-NL" dirty="0" smtClean="0"/>
           </a:p>
           <a:p>
             <a:r>
               <a:rPr lang="nl-NL" dirty="0" smtClean="0"/>
-              <a:t>Analyse </a:t>
-            </a:r>
-            <a:r>
-              <a:rPr lang="nl-NL" dirty="0" smtClean="0"/>
-              <a:t>van de </a:t>
-            </a:r>
-            <a:r>
-              <a:rPr lang="nl-NL" dirty="0" smtClean="0"/>
-              <a:t>basisversie</a:t>
-            </a:r>
-            <a:endParaRPr lang="nl-NL" dirty="0" smtClean="0"/>
+              <a:t>Analyse van de basisversie</a:t>
+            </a:r>
           </a:p>
           <a:p>
             <a:r>
@@ -6345,7 +6326,6 @@
               <a:rPr lang="nl-NL" dirty="0" smtClean="0"/>
               <a:t>Eindresultaat</a:t>
             </a:r>
-            <a:endParaRPr lang="nl-NL" dirty="0" smtClean="0"/>
           </a:p>
           <a:p>
             <a:endParaRPr lang="nl-NL" dirty="0"/>
@@ -6740,15 +6720,23 @@
             </a:r>
             <a:r>
               <a:rPr lang="en-US" sz="2000" dirty="0"/>
-              <a:t> 120 </a:t>
+              <a:t> </a:t>
+            </a:r>
+            <a:r>
+              <a:rPr lang="en-US" sz="2000" dirty="0" smtClean="0"/>
+              <a:t>140 </a:t>
             </a:r>
             <a:r>
               <a:rPr lang="en-US" sz="2000" dirty="0" err="1"/>
               <a:t>bij</a:t>
             </a:r>
             <a:r>
-              <a:rPr lang="en-US" sz="2000" dirty="0"/>
-              <a:t> 80 </a:t>
+              <a:rPr lang="en-US" sz="2000"/>
+              <a:t> </a:t>
+            </a:r>
+            <a:r>
+              <a:rPr lang="en-US" sz="2000" smtClean="0"/>
+              <a:t>100 </a:t>
             </a:r>
             <a:r>
               <a:rPr lang="en-US" sz="2000" dirty="0" err="1" smtClean="0"/>
@@ -6887,26 +6875,13 @@
           <a:p>
             <a:r>
               <a:rPr lang="nl-NL" dirty="0" smtClean="0"/>
-              <a:t>Toevoeging </a:t>
-            </a:r>
+              <a:t>Toevoeging van gras, jagers en wolven</a:t>
+            </a:r>
+          </a:p>
+          <a:p>
             <a:r>
               <a:rPr lang="nl-NL" dirty="0" smtClean="0"/>
-              <a:t>van </a:t>
-            </a:r>
-            <a:r>
-              <a:rPr lang="nl-NL" dirty="0" smtClean="0"/>
-              <a:t>gras, jagers en wolven</a:t>
-            </a:r>
-            <a:endParaRPr lang="nl-NL" dirty="0" smtClean="0"/>
-          </a:p>
-          <a:p>
-            <a:r>
-              <a:rPr lang="nl-NL" dirty="0" smtClean="0"/>
-              <a:t>Een </a:t>
-            </a:r>
-            <a:r>
-              <a:rPr lang="nl-NL" dirty="0" smtClean="0"/>
-              <a:t>slider voor de animatiesnelheid van de simulatie</a:t>
+              <a:t>Een slider voor de animatiesnelheid van de simulatie</a:t>
             </a:r>
           </a:p>
           <a:p>
@@ -6914,7 +6889,6 @@
               <a:rPr lang="nl-NL" dirty="0" smtClean="0"/>
               <a:t>Een histogram, cirkeldiagram en lijndiagram</a:t>
             </a:r>
-            <a:endParaRPr lang="nl-NL" dirty="0" smtClean="0"/>
           </a:p>
           <a:p>
             <a:r>
@@ -6923,11 +6897,7 @@
             </a:r>
             <a:r>
               <a:rPr lang="nl-NL" dirty="0" smtClean="0"/>
-              <a:t> </a:t>
-            </a:r>
-            <a:r>
-              <a:rPr lang="nl-NL" dirty="0" smtClean="0"/>
-              <a:t>van code</a:t>
+              <a:t> van code</a:t>
             </a:r>
           </a:p>
           <a:p>

--- a/Documentatie/Simulatie Vossen en Konijnen.pptx
+++ b/Documentatie/Simulatie Vossen en Konijnen.pptx
@@ -7134,32 +7134,15 @@
           </a:p>
         </p:txBody>
       </p:sp>
-      <p:sp>
-        <p:nvSpPr>
-          <p:cNvPr id="3" name="Content Placeholder 2"/>
-          <p:cNvSpPr>
-            <a:spLocks noGrp="1"/>
-          </p:cNvSpPr>
-          <p:nvPr>
-            <p:ph idx="1"/>
-          </p:nvPr>
-        </p:nvSpPr>
-        <p:spPr/>
-        <p:txBody>
-          <a:bodyPr/>
-          <a:lstStyle/>
-          <a:p>
-            <a:endParaRPr lang="nl-NL" dirty="0"/>
-          </a:p>
-        </p:txBody>
-      </p:sp>
       <p:pic>
         <p:nvPicPr>
-          <p:cNvPr id="5" name="Picture 4"/>
+          <p:cNvPr id="4" name="Content Placeholder 3"/>
           <p:cNvPicPr>
-            <a:picLocks noChangeAspect="1"/>
+            <a:picLocks noGrp="1" noChangeAspect="1"/>
           </p:cNvPicPr>
-          <p:nvPr/>
+          <p:nvPr>
+            <p:ph idx="1"/>
+          </p:nvPr>
         </p:nvPicPr>
         <p:blipFill>
           <a:blip r:embed="rId2">
@@ -7175,12 +7158,9 @@
         </p:blipFill>
         <p:spPr>
           <a:xfrm>
-            <a:off x="2125572" y="2052918"/>
-            <a:ext cx="6902020" cy="4195481"/>
+            <a:off x="2402115" y="2052638"/>
+            <a:ext cx="6349546" cy="4195762"/>
           </a:xfrm>
-          <a:prstGeom prst="rect">
-            <a:avLst/>
-          </a:prstGeom>
         </p:spPr>
       </p:pic>
     </p:spTree>
